--- a/figures/Das_ChangeOverTimeFigure.pptx
+++ b/figures/Das_ChangeOverTimeFigure.pptx
@@ -272,7 +272,7 @@
           <a:p>
             <a:fld id="{E5A94D94-1D56-4D5F-8596-60C96DBF8EF3}" type="datetimeFigureOut">
               <a:rPr lang="en-GB" smtClean="0"/>
-              <a:t>04/07/2019</a:t>
+              <a:t>29/09/2019</a:t>
             </a:fld>
             <a:endParaRPr lang="en-GB"/>
           </a:p>
@@ -472,7 +472,7 @@
           <a:p>
             <a:fld id="{E5A94D94-1D56-4D5F-8596-60C96DBF8EF3}" type="datetimeFigureOut">
               <a:rPr lang="en-GB" smtClean="0"/>
-              <a:t>04/07/2019</a:t>
+              <a:t>29/09/2019</a:t>
             </a:fld>
             <a:endParaRPr lang="en-GB"/>
           </a:p>
@@ -682,7 +682,7 @@
           <a:p>
             <a:fld id="{E5A94D94-1D56-4D5F-8596-60C96DBF8EF3}" type="datetimeFigureOut">
               <a:rPr lang="en-GB" smtClean="0"/>
-              <a:t>04/07/2019</a:t>
+              <a:t>29/09/2019</a:t>
             </a:fld>
             <a:endParaRPr lang="en-GB"/>
           </a:p>
@@ -882,7 +882,7 @@
           <a:p>
             <a:fld id="{E5A94D94-1D56-4D5F-8596-60C96DBF8EF3}" type="datetimeFigureOut">
               <a:rPr lang="en-GB" smtClean="0"/>
-              <a:t>04/07/2019</a:t>
+              <a:t>29/09/2019</a:t>
             </a:fld>
             <a:endParaRPr lang="en-GB"/>
           </a:p>
@@ -1158,7 +1158,7 @@
           <a:p>
             <a:fld id="{E5A94D94-1D56-4D5F-8596-60C96DBF8EF3}" type="datetimeFigureOut">
               <a:rPr lang="en-GB" smtClean="0"/>
-              <a:t>04/07/2019</a:t>
+              <a:t>29/09/2019</a:t>
             </a:fld>
             <a:endParaRPr lang="en-GB"/>
           </a:p>
@@ -1426,7 +1426,7 @@
           <a:p>
             <a:fld id="{E5A94D94-1D56-4D5F-8596-60C96DBF8EF3}" type="datetimeFigureOut">
               <a:rPr lang="en-GB" smtClean="0"/>
-              <a:t>04/07/2019</a:t>
+              <a:t>29/09/2019</a:t>
             </a:fld>
             <a:endParaRPr lang="en-GB"/>
           </a:p>
@@ -1841,7 +1841,7 @@
           <a:p>
             <a:fld id="{E5A94D94-1D56-4D5F-8596-60C96DBF8EF3}" type="datetimeFigureOut">
               <a:rPr lang="en-GB" smtClean="0"/>
-              <a:t>04/07/2019</a:t>
+              <a:t>29/09/2019</a:t>
             </a:fld>
             <a:endParaRPr lang="en-GB"/>
           </a:p>
@@ -1983,7 +1983,7 @@
           <a:p>
             <a:fld id="{E5A94D94-1D56-4D5F-8596-60C96DBF8EF3}" type="datetimeFigureOut">
               <a:rPr lang="en-GB" smtClean="0"/>
-              <a:t>04/07/2019</a:t>
+              <a:t>29/09/2019</a:t>
             </a:fld>
             <a:endParaRPr lang="en-GB"/>
           </a:p>
@@ -2096,7 +2096,7 @@
           <a:p>
             <a:fld id="{E5A94D94-1D56-4D5F-8596-60C96DBF8EF3}" type="datetimeFigureOut">
               <a:rPr lang="en-GB" smtClean="0"/>
-              <a:t>04/07/2019</a:t>
+              <a:t>29/09/2019</a:t>
             </a:fld>
             <a:endParaRPr lang="en-GB"/>
           </a:p>
@@ -2409,7 +2409,7 @@
           <a:p>
             <a:fld id="{E5A94D94-1D56-4D5F-8596-60C96DBF8EF3}" type="datetimeFigureOut">
               <a:rPr lang="en-GB" smtClean="0"/>
-              <a:t>04/07/2019</a:t>
+              <a:t>29/09/2019</a:t>
             </a:fld>
             <a:endParaRPr lang="en-GB"/>
           </a:p>
@@ -2698,7 +2698,7 @@
           <a:p>
             <a:fld id="{E5A94D94-1D56-4D5F-8596-60C96DBF8EF3}" type="datetimeFigureOut">
               <a:rPr lang="en-GB" smtClean="0"/>
-              <a:t>04/07/2019</a:t>
+              <a:t>29/09/2019</a:t>
             </a:fld>
             <a:endParaRPr lang="en-GB"/>
           </a:p>
@@ -2941,7 +2941,7 @@
           <a:p>
             <a:fld id="{E5A94D94-1D56-4D5F-8596-60C96DBF8EF3}" type="datetimeFigureOut">
               <a:rPr lang="en-GB" smtClean="0"/>
-              <a:t>04/07/2019</a:t>
+              <a:t>29/09/2019</a:t>
             </a:fld>
             <a:endParaRPr lang="en-GB"/>
           </a:p>
@@ -3440,7 +3440,7 @@
         <p:spPr>
           <a:xfrm>
             <a:off x="720000" y="2736000"/>
-            <a:ext cx="2880000" cy="1708178"/>
+            <a:ext cx="2879999" cy="1708178"/>
           </a:xfrm>
           <a:prstGeom prst="rect">
             <a:avLst/>
@@ -3475,7 +3475,7 @@
         <p:spPr>
           <a:xfrm>
             <a:off x="5040001" y="180000"/>
-            <a:ext cx="4319998" cy="2566639"/>
+            <a:ext cx="4319998" cy="2566638"/>
           </a:xfrm>
           <a:prstGeom prst="rect">
             <a:avLst/>
@@ -3509,8 +3509,8 @@
         </p:blipFill>
         <p:spPr>
           <a:xfrm>
-            <a:off x="720000" y="182186"/>
-            <a:ext cx="4319999" cy="2562266"/>
+            <a:off x="720001" y="182186"/>
+            <a:ext cx="4319997" cy="2562266"/>
           </a:xfrm>
           <a:prstGeom prst="rect">
             <a:avLst/>
@@ -3545,7 +3545,7 @@
         <p:spPr>
           <a:xfrm>
             <a:off x="3600000" y="2736000"/>
-            <a:ext cx="2880000" cy="1711093"/>
+            <a:ext cx="2879999" cy="1711093"/>
           </a:xfrm>
           <a:prstGeom prst="rect">
             <a:avLst/>
@@ -3580,7 +3580,7 @@
         <p:spPr>
           <a:xfrm>
             <a:off x="6480000" y="2736000"/>
-            <a:ext cx="2879999" cy="1711093"/>
+            <a:ext cx="2879999" cy="1711092"/>
           </a:xfrm>
           <a:prstGeom prst="rect">
             <a:avLst/>
@@ -3805,7 +3805,7 @@
         <p:spPr>
           <a:xfrm>
             <a:off x="3600000" y="4536000"/>
-            <a:ext cx="2880000" cy="1708178"/>
+            <a:ext cx="2879999" cy="1708178"/>
           </a:xfrm>
           <a:prstGeom prst="rect">
             <a:avLst/>
@@ -3840,7 +3840,7 @@
         <p:spPr>
           <a:xfrm>
             <a:off x="6480000" y="4536000"/>
-            <a:ext cx="2880000" cy="1711093"/>
+            <a:ext cx="2879999" cy="1711093"/>
           </a:xfrm>
           <a:prstGeom prst="rect">
             <a:avLst/>
@@ -3875,7 +3875,7 @@
         <p:spPr>
           <a:xfrm>
             <a:off x="720000" y="4536000"/>
-            <a:ext cx="2880000" cy="1711093"/>
+            <a:ext cx="2879999" cy="1711093"/>
           </a:xfrm>
           <a:prstGeom prst="rect">
             <a:avLst/>
